--- a/Day1.pptx
+++ b/Day1.pptx
@@ -2508,7 +2508,7 @@
           <a:p>
             <a:fld id="{42890ADC-E077-4E02-B761-188BC63EB9FD}" type="datetimeFigureOut">
               <a:rPr lang="en-US" smtClean="0"/>
-              <a:t>2/3/2023</a:t>
+              <a:t>2/10/2023</a:t>
             </a:fld>
             <a:endParaRPr lang="en-US"/>
           </a:p>
@@ -9199,509 +9199,279 @@
           </a:bodyPr>
           <a:lstStyle/>
           <a:p>
-            <a:pPr marL="3657600" indent="0">
+            <a:pPr marL="2743200" indent="0">
               <a:spcBef>
                 <a:spcPts val="0"/>
               </a:spcBef>
               <a:buNone/>
             </a:pPr>
-            <a:r>
-              <a:rPr lang="en-US" sz="1600" dirty="0">
-                <a:latin typeface="Courier New" panose="02070309020205020404" pitchFamily="49" charset="0"/>
-                <a:cs typeface="Courier New" panose="02070309020205020404" pitchFamily="49" charset="0"/>
-              </a:rPr>
-              <a:t># the discounts for Retail customers</a:t>
-            </a:r>
-          </a:p>
-          <a:p>
-            <a:pPr marL="3657600" indent="0">
+            <a:endParaRPr lang="en-US" sz="1600">
+              <a:latin typeface="Courier New" panose="02070309020205020404" pitchFamily="49" charset="0"/>
+              <a:cs typeface="Courier New" panose="02070309020205020404" pitchFamily="49" charset="0"/>
+            </a:endParaRPr>
+          </a:p>
+          <a:p>
+            <a:pPr marL="2743200" indent="0">
               <a:spcBef>
                 <a:spcPts val="0"/>
               </a:spcBef>
               <a:buNone/>
             </a:pPr>
             <a:r>
-              <a:rPr lang="en-US" sz="1600" dirty="0">
+              <a:rPr lang="en-US" sz="1600">
                 <a:latin typeface="Courier New" panose="02070309020205020404" pitchFamily="49" charset="0"/>
                 <a:cs typeface="Courier New" panose="02070309020205020404" pitchFamily="49" charset="0"/>
               </a:rPr>
-              <a:t>if </a:t>
-            </a:r>
-            <a:r>
-              <a:rPr lang="en-US" sz="1600" dirty="0" err="1">
-                <a:latin typeface="Courier New" panose="02070309020205020404" pitchFamily="49" charset="0"/>
-                <a:cs typeface="Courier New" panose="02070309020205020404" pitchFamily="49" charset="0"/>
-              </a:rPr>
-              <a:t>customer_type.lower</a:t>
-            </a:r>
-            <a:r>
-              <a:rPr lang="en-US" sz="1600" dirty="0">
-                <a:latin typeface="Courier New" panose="02070309020205020404" pitchFamily="49" charset="0"/>
-                <a:cs typeface="Courier New" panose="02070309020205020404" pitchFamily="49" charset="0"/>
-              </a:rPr>
-              <a:t>() == "r" and </a:t>
-            </a:r>
-            <a:r>
-              <a:rPr lang="en-US" sz="1600" dirty="0" err="1">
-                <a:latin typeface="Courier New" panose="02070309020205020404" pitchFamily="49" charset="0"/>
-                <a:cs typeface="Courier New" panose="02070309020205020404" pitchFamily="49" charset="0"/>
-              </a:rPr>
-              <a:t>invoice_total</a:t>
-            </a:r>
-            <a:r>
-              <a:rPr lang="en-US" sz="1600" dirty="0">
-                <a:latin typeface="Courier New" panose="02070309020205020404" pitchFamily="49" charset="0"/>
-                <a:cs typeface="Courier New" panose="02070309020205020404" pitchFamily="49" charset="0"/>
-              </a:rPr>
-              <a:t> &lt; 100:</a:t>
-            </a:r>
-          </a:p>
-          <a:p>
-            <a:pPr marL="3657600" indent="0">
+              <a:t># determine the discounts for Retail customers</a:t>
+            </a:r>
+          </a:p>
+          <a:p>
+            <a:pPr marL="2743200" indent="0">
               <a:spcBef>
                 <a:spcPts val="0"/>
               </a:spcBef>
               <a:buNone/>
             </a:pPr>
             <a:r>
-              <a:rPr lang="en-US" sz="1600" dirty="0">
+              <a:rPr lang="en-US" sz="1600">
                 <a:latin typeface="Courier New" panose="02070309020205020404" pitchFamily="49" charset="0"/>
                 <a:cs typeface="Courier New" panose="02070309020205020404" pitchFamily="49" charset="0"/>
               </a:rPr>
-              <a:t>    </a:t>
-            </a:r>
-            <a:r>
-              <a:rPr lang="en-US" sz="1600" dirty="0" err="1">
-                <a:latin typeface="Courier New" panose="02070309020205020404" pitchFamily="49" charset="0"/>
-                <a:cs typeface="Courier New" panose="02070309020205020404" pitchFamily="49" charset="0"/>
-              </a:rPr>
-              <a:t>discount_percent</a:t>
-            </a:r>
-            <a:r>
-              <a:rPr lang="en-US" sz="1600" dirty="0">
-                <a:latin typeface="Courier New" panose="02070309020205020404" pitchFamily="49" charset="0"/>
-                <a:cs typeface="Courier New" panose="02070309020205020404" pitchFamily="49" charset="0"/>
-              </a:rPr>
-              <a:t> = 0</a:t>
-            </a:r>
-          </a:p>
-          <a:p>
-            <a:pPr marL="3657600" indent="0">
+              <a:t>if customer_type.lower() == "r" and invoice_total &lt; 100:</a:t>
+            </a:r>
+          </a:p>
+          <a:p>
+            <a:pPr marL="2743200" indent="0">
               <a:spcBef>
                 <a:spcPts val="0"/>
               </a:spcBef>
               <a:buNone/>
             </a:pPr>
             <a:r>
-              <a:rPr lang="en-US" sz="1600" dirty="0" err="1">
+              <a:rPr lang="en-US" sz="1600">
                 <a:latin typeface="Courier New" panose="02070309020205020404" pitchFamily="49" charset="0"/>
                 <a:cs typeface="Courier New" panose="02070309020205020404" pitchFamily="49" charset="0"/>
               </a:rPr>
-              <a:t>elif</a:t>
-            </a:r>
-            <a:r>
-              <a:rPr lang="en-US" sz="1600" dirty="0">
-                <a:latin typeface="Courier New" panose="02070309020205020404" pitchFamily="49" charset="0"/>
-                <a:cs typeface="Courier New" panose="02070309020205020404" pitchFamily="49" charset="0"/>
-              </a:rPr>
-              <a:t> </a:t>
-            </a:r>
-            <a:r>
-              <a:rPr lang="en-US" sz="1600" dirty="0" err="1">
-                <a:latin typeface="Courier New" panose="02070309020205020404" pitchFamily="49" charset="0"/>
-                <a:cs typeface="Courier New" panose="02070309020205020404" pitchFamily="49" charset="0"/>
-              </a:rPr>
-              <a:t>customer_type.lower</a:t>
-            </a:r>
-            <a:r>
-              <a:rPr lang="en-US" sz="1600" dirty="0">
-                <a:latin typeface="Courier New" panose="02070309020205020404" pitchFamily="49" charset="0"/>
-                <a:cs typeface="Courier New" panose="02070309020205020404" pitchFamily="49" charset="0"/>
-              </a:rPr>
-              <a:t>() == "r" and (</a:t>
-            </a:r>
-          </a:p>
-          <a:p>
-            <a:pPr marL="3657600" indent="0">
+              <a:t>    discount_percent = 0</a:t>
+            </a:r>
+          </a:p>
+          <a:p>
+            <a:pPr marL="2743200" indent="0">
               <a:spcBef>
                 <a:spcPts val="0"/>
               </a:spcBef>
               <a:buNone/>
             </a:pPr>
             <a:r>
-              <a:rPr lang="en-US" sz="1600" dirty="0">
+              <a:rPr lang="en-US" sz="1600">
                 <a:latin typeface="Courier New" panose="02070309020205020404" pitchFamily="49" charset="0"/>
                 <a:cs typeface="Courier New" panose="02070309020205020404" pitchFamily="49" charset="0"/>
               </a:rPr>
-              <a:t>    </a:t>
-            </a:r>
-            <a:r>
-              <a:rPr lang="en-US" sz="1600" dirty="0" err="1">
-                <a:latin typeface="Courier New" panose="02070309020205020404" pitchFamily="49" charset="0"/>
-                <a:cs typeface="Courier New" panose="02070309020205020404" pitchFamily="49" charset="0"/>
-              </a:rPr>
-              <a:t>invoice_total</a:t>
-            </a:r>
-            <a:r>
-              <a:rPr lang="en-US" sz="1600" dirty="0">
-                <a:latin typeface="Courier New" panose="02070309020205020404" pitchFamily="49" charset="0"/>
-                <a:cs typeface="Courier New" panose="02070309020205020404" pitchFamily="49" charset="0"/>
-              </a:rPr>
-              <a:t> &gt;= 100 and </a:t>
-            </a:r>
-            <a:r>
-              <a:rPr lang="en-US" sz="1600" dirty="0" err="1">
-                <a:latin typeface="Courier New" panose="02070309020205020404" pitchFamily="49" charset="0"/>
-                <a:cs typeface="Courier New" panose="02070309020205020404" pitchFamily="49" charset="0"/>
-              </a:rPr>
-              <a:t>invoice_total</a:t>
-            </a:r>
-            <a:r>
-              <a:rPr lang="en-US" sz="1600" dirty="0">
-                <a:latin typeface="Courier New" panose="02070309020205020404" pitchFamily="49" charset="0"/>
-                <a:cs typeface="Courier New" panose="02070309020205020404" pitchFamily="49" charset="0"/>
-              </a:rPr>
-              <a:t> &lt; 250):</a:t>
-            </a:r>
-          </a:p>
-          <a:p>
-            <a:pPr marL="3657600" indent="0">
+              <a:t>elif customer_type.lower() == "r" and (</a:t>
+            </a:r>
+          </a:p>
+          <a:p>
+            <a:pPr marL="2743200" indent="0">
               <a:spcBef>
                 <a:spcPts val="0"/>
               </a:spcBef>
               <a:buNone/>
             </a:pPr>
             <a:r>
-              <a:rPr lang="en-US" sz="1600" dirty="0">
+              <a:rPr lang="en-US" sz="1600">
                 <a:latin typeface="Courier New" panose="02070309020205020404" pitchFamily="49" charset="0"/>
                 <a:cs typeface="Courier New" panose="02070309020205020404" pitchFamily="49" charset="0"/>
               </a:rPr>
-              <a:t>    </a:t>
-            </a:r>
-            <a:r>
-              <a:rPr lang="en-US" sz="1600" dirty="0" err="1">
-                <a:latin typeface="Courier New" panose="02070309020205020404" pitchFamily="49" charset="0"/>
-                <a:cs typeface="Courier New" panose="02070309020205020404" pitchFamily="49" charset="0"/>
-              </a:rPr>
-              <a:t>discount_percent</a:t>
-            </a:r>
-            <a:r>
-              <a:rPr lang="en-US" sz="1600" dirty="0">
-                <a:latin typeface="Courier New" panose="02070309020205020404" pitchFamily="49" charset="0"/>
-                <a:cs typeface="Courier New" panose="02070309020205020404" pitchFamily="49" charset="0"/>
-              </a:rPr>
-              <a:t> = .1</a:t>
-            </a:r>
-          </a:p>
-          <a:p>
-            <a:pPr marL="3657600" indent="0">
+              <a:t>    invoice_total &gt;= 100 and invoice_total &lt; 250):</a:t>
+            </a:r>
+          </a:p>
+          <a:p>
+            <a:pPr marL="2743200" indent="0">
               <a:spcBef>
                 <a:spcPts val="0"/>
               </a:spcBef>
               <a:buNone/>
             </a:pPr>
             <a:r>
-              <a:rPr lang="en-US" sz="1600" dirty="0" err="1">
+              <a:rPr lang="en-US" sz="1600">
                 <a:latin typeface="Courier New" panose="02070309020205020404" pitchFamily="49" charset="0"/>
                 <a:cs typeface="Courier New" panose="02070309020205020404" pitchFamily="49" charset="0"/>
               </a:rPr>
-              <a:t>elif</a:t>
-            </a:r>
-            <a:r>
-              <a:rPr lang="en-US" sz="1600" dirty="0">
-                <a:latin typeface="Courier New" panose="02070309020205020404" pitchFamily="49" charset="0"/>
-                <a:cs typeface="Courier New" panose="02070309020205020404" pitchFamily="49" charset="0"/>
-              </a:rPr>
-              <a:t> </a:t>
-            </a:r>
-            <a:r>
-              <a:rPr lang="en-US" sz="1600" dirty="0" err="1">
-                <a:latin typeface="Courier New" panose="02070309020205020404" pitchFamily="49" charset="0"/>
-                <a:cs typeface="Courier New" panose="02070309020205020404" pitchFamily="49" charset="0"/>
-              </a:rPr>
-              <a:t>customer_type.lower</a:t>
-            </a:r>
-            <a:r>
-              <a:rPr lang="en-US" sz="1600" dirty="0">
-                <a:latin typeface="Courier New" panose="02070309020205020404" pitchFamily="49" charset="0"/>
-                <a:cs typeface="Courier New" panose="02070309020205020404" pitchFamily="49" charset="0"/>
-              </a:rPr>
-              <a:t>() == "r" and </a:t>
-            </a:r>
-            <a:r>
-              <a:rPr lang="en-US" sz="1600" dirty="0" err="1">
-                <a:latin typeface="Courier New" panose="02070309020205020404" pitchFamily="49" charset="0"/>
-                <a:cs typeface="Courier New" panose="02070309020205020404" pitchFamily="49" charset="0"/>
-              </a:rPr>
-              <a:t>invoice_total</a:t>
-            </a:r>
-            <a:r>
-              <a:rPr lang="en-US" sz="1600" dirty="0">
-                <a:latin typeface="Courier New" panose="02070309020205020404" pitchFamily="49" charset="0"/>
-                <a:cs typeface="Courier New" panose="02070309020205020404" pitchFamily="49" charset="0"/>
-              </a:rPr>
-              <a:t> &gt;= 250:</a:t>
-            </a:r>
-          </a:p>
-          <a:p>
-            <a:pPr marL="3657600" indent="0">
+              <a:t>    discount_percent = .1</a:t>
+            </a:r>
+          </a:p>
+          <a:p>
+            <a:pPr marL="2743200" indent="0">
               <a:spcBef>
                 <a:spcPts val="0"/>
               </a:spcBef>
               <a:buNone/>
             </a:pPr>
             <a:r>
-              <a:rPr lang="en-US" sz="1600" dirty="0">
+              <a:rPr lang="en-US" sz="1600">
                 <a:latin typeface="Courier New" panose="02070309020205020404" pitchFamily="49" charset="0"/>
                 <a:cs typeface="Courier New" panose="02070309020205020404" pitchFamily="49" charset="0"/>
               </a:rPr>
-              <a:t>    </a:t>
-            </a:r>
-            <a:r>
-              <a:rPr lang="en-US" sz="1600" dirty="0" err="1">
-                <a:latin typeface="Courier New" panose="02070309020205020404" pitchFamily="49" charset="0"/>
-                <a:cs typeface="Courier New" panose="02070309020205020404" pitchFamily="49" charset="0"/>
-              </a:rPr>
-              <a:t>discount_percent</a:t>
-            </a:r>
-            <a:r>
-              <a:rPr lang="en-US" sz="1600" dirty="0">
-                <a:latin typeface="Courier New" panose="02070309020205020404" pitchFamily="49" charset="0"/>
-                <a:cs typeface="Courier New" panose="02070309020205020404" pitchFamily="49" charset="0"/>
-              </a:rPr>
-              <a:t> = .2</a:t>
-            </a:r>
-          </a:p>
-          <a:p>
-            <a:pPr marL="3657600" indent="0">
+              <a:t>elif customer_type.lower() == "r" and invoice_total &gt;= 250:</a:t>
+            </a:r>
+          </a:p>
+          <a:p>
+            <a:pPr marL="2743200" indent="0">
               <a:spcBef>
                 <a:spcPts val="0"/>
               </a:spcBef>
               <a:buNone/>
             </a:pPr>
             <a:r>
-              <a:rPr lang="en-US" sz="1600" dirty="0">
+              <a:rPr lang="en-US" sz="1600">
                 <a:latin typeface="Courier New" panose="02070309020205020404" pitchFamily="49" charset="0"/>
                 <a:cs typeface="Courier New" panose="02070309020205020404" pitchFamily="49" charset="0"/>
               </a:rPr>
-              <a:t># the discounts for Wholesale customers</a:t>
-            </a:r>
-          </a:p>
-          <a:p>
-            <a:pPr marL="3657600" indent="0">
+              <a:t>    discount_percent = .2</a:t>
+            </a:r>
+          </a:p>
+          <a:p>
+            <a:pPr marL="2743200" indent="0">
               <a:spcBef>
                 <a:spcPts val="0"/>
               </a:spcBef>
               <a:buNone/>
             </a:pPr>
-            <a:r>
-              <a:rPr lang="en-US" sz="1600" dirty="0" err="1">
-                <a:latin typeface="Courier New" panose="02070309020205020404" pitchFamily="49" charset="0"/>
-                <a:cs typeface="Courier New" panose="02070309020205020404" pitchFamily="49" charset="0"/>
-              </a:rPr>
-              <a:t>elif</a:t>
-            </a:r>
-            <a:r>
-              <a:rPr lang="en-US" sz="1600" dirty="0">
-                <a:latin typeface="Courier New" panose="02070309020205020404" pitchFamily="49" charset="0"/>
-                <a:cs typeface="Courier New" panose="02070309020205020404" pitchFamily="49" charset="0"/>
-              </a:rPr>
-              <a:t> </a:t>
-            </a:r>
-            <a:r>
-              <a:rPr lang="en-US" sz="1600" dirty="0" err="1">
-                <a:latin typeface="Courier New" panose="02070309020205020404" pitchFamily="49" charset="0"/>
-                <a:cs typeface="Courier New" panose="02070309020205020404" pitchFamily="49" charset="0"/>
-              </a:rPr>
-              <a:t>customer_type.lower</a:t>
-            </a:r>
-            <a:r>
-              <a:rPr lang="en-US" sz="1600" dirty="0">
-                <a:latin typeface="Courier New" panose="02070309020205020404" pitchFamily="49" charset="0"/>
-                <a:cs typeface="Courier New" panose="02070309020205020404" pitchFamily="49" charset="0"/>
-              </a:rPr>
-              <a:t>() == "w" and </a:t>
-            </a:r>
-            <a:r>
-              <a:rPr lang="en-US" sz="1600" dirty="0" err="1">
-                <a:latin typeface="Courier New" panose="02070309020205020404" pitchFamily="49" charset="0"/>
-                <a:cs typeface="Courier New" panose="02070309020205020404" pitchFamily="49" charset="0"/>
-              </a:rPr>
-              <a:t>invoice_total</a:t>
-            </a:r>
-            <a:r>
-              <a:rPr lang="en-US" sz="1600" dirty="0">
-                <a:latin typeface="Courier New" panose="02070309020205020404" pitchFamily="49" charset="0"/>
-                <a:cs typeface="Courier New" panose="02070309020205020404" pitchFamily="49" charset="0"/>
-              </a:rPr>
-              <a:t> &lt; 500:</a:t>
-            </a:r>
-          </a:p>
-          <a:p>
-            <a:pPr marL="3657600" indent="0">
+            <a:endParaRPr lang="en-US" sz="1600">
+              <a:latin typeface="Courier New" panose="02070309020205020404" pitchFamily="49" charset="0"/>
+              <a:cs typeface="Courier New" panose="02070309020205020404" pitchFamily="49" charset="0"/>
+            </a:endParaRPr>
+          </a:p>
+          <a:p>
+            <a:pPr marL="2743200" indent="0">
               <a:spcBef>
                 <a:spcPts val="0"/>
               </a:spcBef>
               <a:buNone/>
             </a:pPr>
             <a:r>
-              <a:rPr lang="en-US" sz="1600" dirty="0">
+              <a:rPr lang="en-US" sz="1600">
                 <a:latin typeface="Courier New" panose="02070309020205020404" pitchFamily="49" charset="0"/>
                 <a:cs typeface="Courier New" panose="02070309020205020404" pitchFamily="49" charset="0"/>
               </a:rPr>
-              <a:t>    </a:t>
-            </a:r>
-            <a:r>
-              <a:rPr lang="en-US" sz="1600" dirty="0" err="1">
-                <a:latin typeface="Courier New" panose="02070309020205020404" pitchFamily="49" charset="0"/>
-                <a:cs typeface="Courier New" panose="02070309020205020404" pitchFamily="49" charset="0"/>
-              </a:rPr>
-              <a:t>discount_percent</a:t>
-            </a:r>
-            <a:r>
-              <a:rPr lang="en-US" sz="1600" dirty="0">
-                <a:latin typeface="Courier New" panose="02070309020205020404" pitchFamily="49" charset="0"/>
-                <a:cs typeface="Courier New" panose="02070309020205020404" pitchFamily="49" charset="0"/>
-              </a:rPr>
-              <a:t> = .4</a:t>
-            </a:r>
-          </a:p>
-          <a:p>
-            <a:pPr marL="3657600" indent="0">
+              <a:t># determine the discounts for Wholesale customers</a:t>
+            </a:r>
+          </a:p>
+          <a:p>
+            <a:pPr marL="2743200" indent="0">
               <a:spcBef>
                 <a:spcPts val="0"/>
               </a:spcBef>
               <a:buNone/>
             </a:pPr>
             <a:r>
-              <a:rPr lang="en-US" sz="1600" dirty="0" err="1">
+              <a:rPr lang="en-US" sz="1600">
                 <a:latin typeface="Courier New" panose="02070309020205020404" pitchFamily="49" charset="0"/>
                 <a:cs typeface="Courier New" panose="02070309020205020404" pitchFamily="49" charset="0"/>
               </a:rPr>
-              <a:t>elif</a:t>
-            </a:r>
-            <a:r>
-              <a:rPr lang="en-US" sz="1600" dirty="0">
-                <a:latin typeface="Courier New" panose="02070309020205020404" pitchFamily="49" charset="0"/>
-                <a:cs typeface="Courier New" panose="02070309020205020404" pitchFamily="49" charset="0"/>
-              </a:rPr>
-              <a:t> </a:t>
-            </a:r>
-            <a:r>
-              <a:rPr lang="en-US" sz="1600" dirty="0" err="1">
-                <a:latin typeface="Courier New" panose="02070309020205020404" pitchFamily="49" charset="0"/>
-                <a:cs typeface="Courier New" panose="02070309020205020404" pitchFamily="49" charset="0"/>
-              </a:rPr>
-              <a:t>customer_type.lower</a:t>
-            </a:r>
-            <a:r>
-              <a:rPr lang="en-US" sz="1600" dirty="0">
-                <a:latin typeface="Courier New" panose="02070309020205020404" pitchFamily="49" charset="0"/>
-                <a:cs typeface="Courier New" panose="02070309020205020404" pitchFamily="49" charset="0"/>
-              </a:rPr>
-              <a:t>() == "w" and </a:t>
-            </a:r>
-            <a:r>
-              <a:rPr lang="en-US" sz="1600" dirty="0" err="1">
-                <a:latin typeface="Courier New" panose="02070309020205020404" pitchFamily="49" charset="0"/>
-                <a:cs typeface="Courier New" panose="02070309020205020404" pitchFamily="49" charset="0"/>
-              </a:rPr>
-              <a:t>invoice_total</a:t>
-            </a:r>
-            <a:r>
-              <a:rPr lang="en-US" sz="1600" dirty="0">
-                <a:latin typeface="Courier New" panose="02070309020205020404" pitchFamily="49" charset="0"/>
-                <a:cs typeface="Courier New" panose="02070309020205020404" pitchFamily="49" charset="0"/>
-              </a:rPr>
-              <a:t> &gt;= 500:</a:t>
-            </a:r>
-          </a:p>
-          <a:p>
-            <a:pPr marL="3657600" indent="0">
+              <a:t>elif customer_type.lower() == "w" and invoice_total &lt; 500:</a:t>
+            </a:r>
+          </a:p>
+          <a:p>
+            <a:pPr marL="2743200" indent="0">
               <a:spcBef>
                 <a:spcPts val="0"/>
               </a:spcBef>
               <a:buNone/>
             </a:pPr>
             <a:r>
-              <a:rPr lang="en-US" sz="1600" dirty="0">
+              <a:rPr lang="en-US" sz="1600">
                 <a:latin typeface="Courier New" panose="02070309020205020404" pitchFamily="49" charset="0"/>
                 <a:cs typeface="Courier New" panose="02070309020205020404" pitchFamily="49" charset="0"/>
               </a:rPr>
-              <a:t>    </a:t>
-            </a:r>
-            <a:r>
-              <a:rPr lang="en-US" sz="1600" dirty="0" err="1">
-                <a:latin typeface="Courier New" panose="02070309020205020404" pitchFamily="49" charset="0"/>
-                <a:cs typeface="Courier New" panose="02070309020205020404" pitchFamily="49" charset="0"/>
-              </a:rPr>
-              <a:t>discount_percent</a:t>
-            </a:r>
-            <a:r>
-              <a:rPr lang="en-US" sz="1600" dirty="0">
-                <a:latin typeface="Courier New" panose="02070309020205020404" pitchFamily="49" charset="0"/>
-                <a:cs typeface="Courier New" panose="02070309020205020404" pitchFamily="49" charset="0"/>
-              </a:rPr>
-              <a:t> = .5</a:t>
-            </a:r>
-          </a:p>
-          <a:p>
-            <a:pPr marL="3657600" indent="0">
+              <a:t>    discount_percent = .4</a:t>
+            </a:r>
+          </a:p>
+          <a:p>
+            <a:pPr marL="2743200" indent="0">
               <a:spcBef>
                 <a:spcPts val="0"/>
               </a:spcBef>
               <a:buNone/>
             </a:pPr>
             <a:r>
-              <a:rPr lang="en-US" sz="1600" dirty="0">
+              <a:rPr lang="en-US" sz="1600">
                 <a:latin typeface="Courier New" panose="02070309020205020404" pitchFamily="49" charset="0"/>
                 <a:cs typeface="Courier New" panose="02070309020205020404" pitchFamily="49" charset="0"/>
               </a:rPr>
-              <a:t># all other customers</a:t>
-            </a:r>
-          </a:p>
-          <a:p>
-            <a:pPr marL="3657600" indent="0">
+              <a:t>elif customer_type.lower() == "w" and invoice_total &gt;= 500:</a:t>
+            </a:r>
+          </a:p>
+          <a:p>
+            <a:pPr marL="2743200" indent="0">
               <a:spcBef>
                 <a:spcPts val="0"/>
               </a:spcBef>
               <a:buNone/>
             </a:pPr>
             <a:r>
-              <a:rPr lang="en-US" sz="1600" dirty="0">
+              <a:rPr lang="en-US" sz="1600">
                 <a:latin typeface="Courier New" panose="02070309020205020404" pitchFamily="49" charset="0"/>
                 <a:cs typeface="Courier New" panose="02070309020205020404" pitchFamily="49" charset="0"/>
               </a:rPr>
-              <a:t>else:</a:t>
-            </a:r>
-          </a:p>
-          <a:p>
-            <a:pPr marL="3657600" indent="0">
+              <a:t>    discount_percent = .5</a:t>
+            </a:r>
+          </a:p>
+          <a:p>
+            <a:pPr marL="2743200" indent="0">
               <a:spcBef>
                 <a:spcPts val="0"/>
               </a:spcBef>
               <a:buNone/>
             </a:pPr>
-            <a:r>
-              <a:rPr lang="en-US" sz="1600" dirty="0">
+            <a:endParaRPr lang="en-US" sz="1600">
+              <a:latin typeface="Courier New" panose="02070309020205020404" pitchFamily="49" charset="0"/>
+              <a:cs typeface="Courier New" panose="02070309020205020404" pitchFamily="49" charset="0"/>
+            </a:endParaRPr>
+          </a:p>
+          <a:p>
+            <a:pPr marL="2743200" indent="0">
+              <a:spcBef>
+                <a:spcPts val="0"/>
+              </a:spcBef>
+              <a:buNone/>
+            </a:pPr>
+            <a:r>
+              <a:rPr lang="en-US" sz="1600">
                 <a:latin typeface="Courier New" panose="02070309020205020404" pitchFamily="49" charset="0"/>
                 <a:cs typeface="Courier New" panose="02070309020205020404" pitchFamily="49" charset="0"/>
               </a:rPr>
-              <a:t>    </a:t>
-            </a:r>
-            <a:r>
-              <a:rPr lang="en-US" sz="1600" dirty="0" err="1">
+              <a:t># all other customers</a:t>
+            </a:r>
+          </a:p>
+          <a:p>
+            <a:pPr marL="2743200" indent="0">
+              <a:spcBef>
+                <a:spcPts val="0"/>
+              </a:spcBef>
+              <a:buNone/>
+            </a:pPr>
+            <a:r>
+              <a:rPr lang="en-US" sz="1600">
                 <a:latin typeface="Courier New" panose="02070309020205020404" pitchFamily="49" charset="0"/>
                 <a:cs typeface="Courier New" panose="02070309020205020404" pitchFamily="49" charset="0"/>
               </a:rPr>
-              <a:t>discount_percent</a:t>
-            </a:r>
-            <a:r>
-              <a:rPr lang="en-US" sz="1600" dirty="0">
+              <a:t>else:</a:t>
+            </a:r>
+          </a:p>
+          <a:p>
+            <a:pPr marL="2743200" indent="0">
+              <a:spcBef>
+                <a:spcPts val="0"/>
+              </a:spcBef>
+              <a:buNone/>
+            </a:pPr>
+            <a:r>
+              <a:rPr lang="en-US" sz="1600">
                 <a:latin typeface="Courier New" panose="02070309020205020404" pitchFamily="49" charset="0"/>
                 <a:cs typeface="Courier New" panose="02070309020205020404" pitchFamily="49" charset="0"/>
               </a:rPr>
-              <a:t> = 0</a:t>
+              <a:t>    discount_percent = 0</a:t>
             </a:r>
           </a:p>
         </p:txBody>
@@ -9737,13 +9507,18 @@
         </p:nvSpPr>
         <p:spPr>
           <a:xfrm>
-            <a:off x="759655" y="1941342"/>
-            <a:ext cx="3277773" cy="3108543"/>
+            <a:off x="772182" y="2467435"/>
+            <a:ext cx="2196486" cy="2554545"/>
           </a:xfrm>
           <a:prstGeom prst="rect">
             <a:avLst/>
           </a:prstGeom>
           <a:noFill/>
+          <a:ln>
+            <a:solidFill>
+              <a:schemeClr val="tx1"/>
+            </a:solidFill>
+          </a:ln>
         </p:spPr>
         <p:txBody>
           <a:bodyPr wrap="square" rtlCol="0">
@@ -9752,19 +9527,19 @@
           <a:lstStyle/>
           <a:p>
             <a:r>
-              <a:rPr lang="en-US" sz="2800" dirty="0"/>
+              <a:rPr lang="en-US" sz="2000" dirty="0"/>
               <a:t>This code gives the same results, without using nested If statements.</a:t>
             </a:r>
           </a:p>
           <a:p>
-            <a:endParaRPr lang="en-US" sz="2800" dirty="0"/>
-          </a:p>
-          <a:p>
-            <a:r>
-              <a:rPr lang="en-US" sz="2800" dirty="0"/>
+            <a:endParaRPr lang="en-US" sz="2000" dirty="0"/>
+          </a:p>
+          <a:p>
+            <a:r>
+              <a:rPr lang="en-US" sz="2000" dirty="0"/>
               <a:t>Which approach is preferable?</a:t>
             </a:r>
-            <a:endParaRPr lang="en-US" dirty="0"/>
+            <a:endParaRPr lang="en-US" sz="1400" dirty="0"/>
           </a:p>
         </p:txBody>
       </p:sp>
@@ -9820,290 +9595,292 @@
           </a:bodyPr>
           <a:lstStyle/>
           <a:p>
-            <a:pPr marL="3657600" indent="0">
+            <a:pPr marL="2743200" indent="0">
               <a:spcBef>
                 <a:spcPts val="0"/>
               </a:spcBef>
               <a:buNone/>
             </a:pPr>
-            <a:r>
-              <a:rPr lang="en-US" sz="1800" dirty="0">
-                <a:latin typeface="Courier New" panose="02070309020205020404" pitchFamily="49" charset="0"/>
-                <a:cs typeface="Courier New" panose="02070309020205020404" pitchFamily="49" charset="0"/>
-              </a:rPr>
-              <a:t># the discounts for Retail customers</a:t>
-            </a:r>
-          </a:p>
-          <a:p>
-            <a:pPr marL="3657600" indent="0">
+            <a:endParaRPr lang="en-US" sz="1600">
+              <a:latin typeface="Courier New" panose="02070309020205020404" pitchFamily="49" charset="0"/>
+              <a:cs typeface="Courier New" panose="02070309020205020404" pitchFamily="49" charset="0"/>
+            </a:endParaRPr>
+          </a:p>
+          <a:p>
+            <a:pPr marL="2743200" indent="0">
               <a:spcBef>
                 <a:spcPts val="0"/>
               </a:spcBef>
               <a:buNone/>
             </a:pPr>
-            <a:r>
-              <a:rPr lang="en-US" sz="1800" dirty="0">
-                <a:latin typeface="Courier New" panose="02070309020205020404" pitchFamily="49" charset="0"/>
-                <a:cs typeface="Courier New" panose="02070309020205020404" pitchFamily="49" charset="0"/>
-              </a:rPr>
-              <a:t>if </a:t>
-            </a:r>
-            <a:r>
-              <a:rPr lang="en-US" sz="1800" dirty="0" err="1">
-                <a:latin typeface="Courier New" panose="02070309020205020404" pitchFamily="49" charset="0"/>
-                <a:cs typeface="Courier New" panose="02070309020205020404" pitchFamily="49" charset="0"/>
-              </a:rPr>
-              <a:t>customer_type.lower</a:t>
-            </a:r>
-            <a:r>
-              <a:rPr lang="en-US" sz="1800" dirty="0">
-                <a:latin typeface="Courier New" panose="02070309020205020404" pitchFamily="49" charset="0"/>
-                <a:cs typeface="Courier New" panose="02070309020205020404" pitchFamily="49" charset="0"/>
-              </a:rPr>
-              <a:t>() == "r" and </a:t>
-            </a:r>
-            <a:r>
-              <a:rPr lang="en-US" sz="1800" dirty="0" err="1">
-                <a:latin typeface="Courier New" panose="02070309020205020404" pitchFamily="49" charset="0"/>
-                <a:cs typeface="Courier New" panose="02070309020205020404" pitchFamily="49" charset="0"/>
-              </a:rPr>
-              <a:t>invoice_total</a:t>
-            </a:r>
-            <a:r>
-              <a:rPr lang="en-US" sz="1800" dirty="0">
-                <a:latin typeface="Courier New" panose="02070309020205020404" pitchFamily="49" charset="0"/>
-                <a:cs typeface="Courier New" panose="02070309020205020404" pitchFamily="49" charset="0"/>
-              </a:rPr>
-              <a:t> &lt; 100:</a:t>
-            </a:r>
-          </a:p>
-          <a:p>
-            <a:pPr marL="3657600" indent="0">
+            <a:endParaRPr lang="en-US" sz="1600">
+              <a:latin typeface="Courier New" panose="02070309020205020404" pitchFamily="49" charset="0"/>
+              <a:cs typeface="Courier New" panose="02070309020205020404" pitchFamily="49" charset="0"/>
+            </a:endParaRPr>
+          </a:p>
+          <a:p>
+            <a:pPr marL="2743200" indent="0">
               <a:spcBef>
                 <a:spcPts val="0"/>
               </a:spcBef>
               <a:buNone/>
             </a:pPr>
             <a:r>
-              <a:rPr lang="en-US" sz="1800" dirty="0">
+              <a:rPr lang="en-US" sz="1600">
                 <a:latin typeface="Courier New" panose="02070309020205020404" pitchFamily="49" charset="0"/>
                 <a:cs typeface="Courier New" panose="02070309020205020404" pitchFamily="49" charset="0"/>
               </a:rPr>
-              <a:t>    </a:t>
-            </a:r>
-            <a:r>
-              <a:rPr lang="en-US" sz="1800" dirty="0" err="1">
-                <a:latin typeface="Courier New" panose="02070309020205020404" pitchFamily="49" charset="0"/>
-                <a:cs typeface="Courier New" panose="02070309020205020404" pitchFamily="49" charset="0"/>
-              </a:rPr>
-              <a:t>discount_percent</a:t>
-            </a:r>
-            <a:r>
-              <a:rPr lang="en-US" sz="1800" dirty="0">
-                <a:latin typeface="Courier New" panose="02070309020205020404" pitchFamily="49" charset="0"/>
-                <a:cs typeface="Courier New" panose="02070309020205020404" pitchFamily="49" charset="0"/>
-              </a:rPr>
-              <a:t> = 0</a:t>
-            </a:r>
-          </a:p>
-          <a:p>
-            <a:pPr marL="3657600" indent="0">
+              <a:t># determine the discounts for Retail customers</a:t>
+            </a:r>
+          </a:p>
+          <a:p>
+            <a:pPr marL="2743200" indent="0">
               <a:spcBef>
                 <a:spcPts val="0"/>
               </a:spcBef>
               <a:buNone/>
             </a:pPr>
             <a:r>
-              <a:rPr lang="en-US" sz="1800">
+              <a:rPr lang="en-US" sz="1600" b="1">
                 <a:latin typeface="Courier New" panose="02070309020205020404" pitchFamily="49" charset="0"/>
                 <a:cs typeface="Courier New" panose="02070309020205020404" pitchFamily="49" charset="0"/>
               </a:rPr>
-              <a:t>e</a:t>
-            </a:r>
-            <a:r>
-              <a:rPr lang="en-US" sz="1800" dirty="0" err="1">
+              <a:t>if customer_type.lower() == "r" </a:t>
+            </a:r>
+            <a:r>
+              <a:rPr lang="en-US" sz="1600">
                 <a:latin typeface="Courier New" panose="02070309020205020404" pitchFamily="49" charset="0"/>
                 <a:cs typeface="Courier New" panose="02070309020205020404" pitchFamily="49" charset="0"/>
               </a:rPr>
-              <a:t>_total</a:t>
-            </a:r>
-            <a:r>
-              <a:rPr lang="en-US" sz="1800" dirty="0">
-                <a:latin typeface="Courier New" panose="02070309020205020404" pitchFamily="49" charset="0"/>
-                <a:cs typeface="Courier New" panose="02070309020205020404" pitchFamily="49" charset="0"/>
-              </a:rPr>
-              <a:t> &gt;= 500:</a:t>
-            </a:r>
-          </a:p>
-          <a:p>
-            <a:pPr marL="3657600" indent="0">
+              <a:t>and invoice_total &lt; 100:</a:t>
+            </a:r>
+          </a:p>
+          <a:p>
+            <a:pPr marL="2743200" indent="0">
               <a:spcBef>
                 <a:spcPts val="0"/>
               </a:spcBef>
               <a:buNone/>
             </a:pPr>
             <a:r>
-              <a:rPr lang="en-US" sz="1800" dirty="0">
+              <a:rPr lang="en-US" sz="1600">
                 <a:latin typeface="Courier New" panose="02070309020205020404" pitchFamily="49" charset="0"/>
                 <a:cs typeface="Courier New" panose="02070309020205020404" pitchFamily="49" charset="0"/>
               </a:rPr>
-              <a:t>    </a:t>
-            </a:r>
-            <a:r>
-              <a:rPr lang="en-US" sz="1800" dirty="0" err="1">
-                <a:latin typeface="Courier New" panose="02070309020205020404" pitchFamily="49" charset="0"/>
-                <a:cs typeface="Courier New" panose="02070309020205020404" pitchFamily="49" charset="0"/>
-              </a:rPr>
-              <a:t>discount_percent</a:t>
-            </a:r>
-            <a:r>
-              <a:rPr lang="en-US" sz="1800" dirty="0">
-                <a:latin typeface="Courier New" panose="02070309020205020404" pitchFamily="49" charset="0"/>
-                <a:cs typeface="Courier New" panose="02070309020205020404" pitchFamily="49" charset="0"/>
-              </a:rPr>
-              <a:t> = </a:t>
-            </a:r>
-            <a:r>
-              <a:rPr lang="en-US" sz="1800">
-                <a:latin typeface="Courier New" panose="02070309020205020404" pitchFamily="49" charset="0"/>
-                <a:cs typeface="Courier New" panose="02070309020205020404" pitchFamily="49" charset="0"/>
-              </a:rPr>
-              <a:t>.5elif customer_type.lower() == "r" and (</a:t>
-            </a:r>
-          </a:p>
-          <a:p>
-            <a:pPr marL="3657600" indent="0">
+              <a:t>    discount_percent = 0</a:t>
+            </a:r>
+          </a:p>
+          <a:p>
+            <a:pPr marL="2743200" indent="0">
               <a:spcBef>
                 <a:spcPts val="0"/>
               </a:spcBef>
               <a:buNone/>
             </a:pPr>
             <a:r>
-              <a:rPr lang="en-US" sz="1800">
+              <a:rPr lang="en-US" sz="1600" b="1">
                 <a:latin typeface="Courier New" panose="02070309020205020404" pitchFamily="49" charset="0"/>
                 <a:cs typeface="Courier New" panose="02070309020205020404" pitchFamily="49" charset="0"/>
               </a:rPr>
-              <a:t>    invoice_total &gt;= 100 and invoice_total &lt; 250):</a:t>
-            </a:r>
-          </a:p>
-          <a:p>
-            <a:pPr marL="3657600" indent="0">
+              <a:t>elif customer_type.lower() == "r" </a:t>
+            </a:r>
+            <a:r>
+              <a:rPr lang="en-US" sz="1600">
+                <a:latin typeface="Courier New" panose="02070309020205020404" pitchFamily="49" charset="0"/>
+                <a:cs typeface="Courier New" panose="02070309020205020404" pitchFamily="49" charset="0"/>
+              </a:rPr>
+              <a:t>and (</a:t>
+            </a:r>
+          </a:p>
+          <a:p>
+            <a:pPr marL="2743200" indent="0">
               <a:spcBef>
                 <a:spcPts val="0"/>
               </a:spcBef>
               <a:buNone/>
             </a:pPr>
             <a:r>
-              <a:rPr lang="en-US" sz="1800">
+              <a:rPr lang="en-US" sz="1600">
                 <a:latin typeface="Courier New" panose="02070309020205020404" pitchFamily="49" charset="0"/>
                 <a:cs typeface="Courier New" panose="02070309020205020404" pitchFamily="49" charset="0"/>
               </a:rPr>
-              <a:t>    discount_percent = .1</a:t>
-            </a:r>
-          </a:p>
-          <a:p>
-            <a:pPr marL="3657600" indent="0">
+              <a:t>    invoice_total &gt;= 100 and invoice_total &lt; 250):</a:t>
+            </a:r>
+          </a:p>
+          <a:p>
+            <a:pPr marL="2743200" indent="0">
               <a:spcBef>
                 <a:spcPts val="0"/>
               </a:spcBef>
               <a:buNone/>
             </a:pPr>
             <a:r>
-              <a:rPr lang="en-US" sz="1800">
+              <a:rPr lang="en-US" sz="1600">
                 <a:latin typeface="Courier New" panose="02070309020205020404" pitchFamily="49" charset="0"/>
                 <a:cs typeface="Courier New" panose="02070309020205020404" pitchFamily="49" charset="0"/>
               </a:rPr>
-              <a:t>elif customer_type.lower() == "r" and invoice_total &gt;= 250:</a:t>
-            </a:r>
-          </a:p>
-          <a:p>
-            <a:pPr marL="3657600" indent="0">
+              <a:t>    discount_percent = .1</a:t>
+            </a:r>
+          </a:p>
+          <a:p>
+            <a:pPr marL="2743200" indent="0">
               <a:spcBef>
                 <a:spcPts val="0"/>
               </a:spcBef>
               <a:buNone/>
             </a:pPr>
             <a:r>
-              <a:rPr lang="en-US" sz="1800">
+              <a:rPr lang="en-US" sz="1600" b="1">
                 <a:latin typeface="Courier New" panose="02070309020205020404" pitchFamily="49" charset="0"/>
                 <a:cs typeface="Courier New" panose="02070309020205020404" pitchFamily="49" charset="0"/>
               </a:rPr>
-              <a:t>    discount_percent = .2</a:t>
-            </a:r>
-          </a:p>
-          <a:p>
-            <a:pPr marL="3657600" indent="0">
+              <a:t>elif customer_type.lower() == "r" </a:t>
+            </a:r>
+            <a:r>
+              <a:rPr lang="en-US" sz="1600">
+                <a:latin typeface="Courier New" panose="02070309020205020404" pitchFamily="49" charset="0"/>
+                <a:cs typeface="Courier New" panose="02070309020205020404" pitchFamily="49" charset="0"/>
+              </a:rPr>
+              <a:t>and invoice_total &gt;= 250:</a:t>
+            </a:r>
+          </a:p>
+          <a:p>
+            <a:pPr marL="2743200" indent="0">
               <a:spcBef>
                 <a:spcPts val="0"/>
               </a:spcBef>
               <a:buNone/>
             </a:pPr>
             <a:r>
-              <a:rPr lang="en-US" sz="1800">
+              <a:rPr lang="en-US" sz="1600">
                 <a:latin typeface="Courier New" panose="02070309020205020404" pitchFamily="49" charset="0"/>
                 <a:cs typeface="Courier New" panose="02070309020205020404" pitchFamily="49" charset="0"/>
               </a:rPr>
-              <a:t># the discounts for Wholesale customers</a:t>
-            </a:r>
-          </a:p>
-          <a:p>
-            <a:pPr marL="3657600" indent="0">
+              <a:t>    discount_percent = .2</a:t>
+            </a:r>
+          </a:p>
+          <a:p>
+            <a:pPr marL="2743200" indent="0">
               <a:spcBef>
                 <a:spcPts val="0"/>
               </a:spcBef>
               <a:buNone/>
             </a:pPr>
-            <a:r>
-              <a:rPr lang="en-US" sz="1800">
-                <a:latin typeface="Courier New" panose="02070309020205020404" pitchFamily="49" charset="0"/>
-                <a:cs typeface="Courier New" panose="02070309020205020404" pitchFamily="49" charset="0"/>
-              </a:rPr>
-              <a:t>elif customer_type.lower() == "w" and invoice_total &lt; 500:</a:t>
-            </a:r>
-          </a:p>
-          <a:p>
-            <a:pPr marL="3657600" indent="0">
+            <a:endParaRPr lang="en-US" sz="1600">
+              <a:latin typeface="Courier New" panose="02070309020205020404" pitchFamily="49" charset="0"/>
+              <a:cs typeface="Courier New" panose="02070309020205020404" pitchFamily="49" charset="0"/>
+            </a:endParaRPr>
+          </a:p>
+          <a:p>
+            <a:pPr marL="2743200" indent="0">
               <a:spcBef>
                 <a:spcPts val="0"/>
               </a:spcBef>
               <a:buNone/>
             </a:pPr>
             <a:r>
-              <a:rPr lang="en-US" sz="1800">
+              <a:rPr lang="en-US" sz="1600">
                 <a:latin typeface="Courier New" panose="02070309020205020404" pitchFamily="49" charset="0"/>
                 <a:cs typeface="Courier New" panose="02070309020205020404" pitchFamily="49" charset="0"/>
               </a:rPr>
-              <a:t>    discount_percent = .4</a:t>
-            </a:r>
-          </a:p>
-          <a:p>
-            <a:pPr marL="3657600" indent="0">
+              <a:t># determine the discounts for Wholesale customers</a:t>
+            </a:r>
+          </a:p>
+          <a:p>
+            <a:pPr marL="2743200" indent="0">
               <a:spcBef>
                 <a:spcPts val="0"/>
               </a:spcBef>
               <a:buNone/>
             </a:pPr>
             <a:r>
-              <a:rPr lang="en-US" sz="1800">
+              <a:rPr lang="en-US" sz="1600" b="1">
                 <a:latin typeface="Courier New" panose="02070309020205020404" pitchFamily="49" charset="0"/>
                 <a:cs typeface="Courier New" panose="02070309020205020404" pitchFamily="49" charset="0"/>
               </a:rPr>
-              <a:t>elif customer_type.lower() == "w" and invoic</a:t>
-            </a:r>
-            <a:endParaRPr lang="en-US" sz="1800" dirty="0">
+              <a:t>elif customer_type.lower() == "w"</a:t>
+            </a:r>
+            <a:r>
+              <a:rPr lang="en-US" sz="1600">
+                <a:latin typeface="Courier New" panose="02070309020205020404" pitchFamily="49" charset="0"/>
+                <a:cs typeface="Courier New" panose="02070309020205020404" pitchFamily="49" charset="0"/>
+              </a:rPr>
+              <a:t> and invoice_total &lt; 500:</a:t>
+            </a:r>
+          </a:p>
+          <a:p>
+            <a:pPr marL="2743200" indent="0">
+              <a:spcBef>
+                <a:spcPts val="0"/>
+              </a:spcBef>
+              <a:buNone/>
+            </a:pPr>
+            <a:r>
+              <a:rPr lang="en-US" sz="1600">
+                <a:latin typeface="Courier New" panose="02070309020205020404" pitchFamily="49" charset="0"/>
+                <a:cs typeface="Courier New" panose="02070309020205020404" pitchFamily="49" charset="0"/>
+              </a:rPr>
+              <a:t>    discount_percent = .4</a:t>
+            </a:r>
+          </a:p>
+          <a:p>
+            <a:pPr marL="2743200" indent="0">
+              <a:spcBef>
+                <a:spcPts val="0"/>
+              </a:spcBef>
+              <a:buNone/>
+            </a:pPr>
+            <a:r>
+              <a:rPr lang="en-US" sz="1600" b="1">
+                <a:latin typeface="Courier New" panose="02070309020205020404" pitchFamily="49" charset="0"/>
+                <a:cs typeface="Courier New" panose="02070309020205020404" pitchFamily="49" charset="0"/>
+              </a:rPr>
+              <a:t>elif customer_type.lower() == "w" </a:t>
+            </a:r>
+            <a:r>
+              <a:rPr lang="en-US" sz="1600">
+                <a:latin typeface="Courier New" panose="02070309020205020404" pitchFamily="49" charset="0"/>
+                <a:cs typeface="Courier New" panose="02070309020205020404" pitchFamily="49" charset="0"/>
+              </a:rPr>
+              <a:t>and invoice_total &gt;= 500:</a:t>
+            </a:r>
+          </a:p>
+          <a:p>
+            <a:pPr marL="2743200" indent="0">
+              <a:spcBef>
+                <a:spcPts val="0"/>
+              </a:spcBef>
+              <a:buNone/>
+            </a:pPr>
+            <a:r>
+              <a:rPr lang="en-US" sz="1600">
+                <a:latin typeface="Courier New" panose="02070309020205020404" pitchFamily="49" charset="0"/>
+                <a:cs typeface="Courier New" panose="02070309020205020404" pitchFamily="49" charset="0"/>
+              </a:rPr>
+              <a:t>    discount_percent = .5</a:t>
+            </a:r>
+          </a:p>
+          <a:p>
+            <a:pPr marL="2743200" indent="0">
+              <a:spcBef>
+                <a:spcPts val="0"/>
+              </a:spcBef>
+              <a:buNone/>
+            </a:pPr>
+            <a:endParaRPr lang="en-US" sz="1600">
               <a:latin typeface="Courier New" panose="02070309020205020404" pitchFamily="49" charset="0"/>
               <a:cs typeface="Courier New" panose="02070309020205020404" pitchFamily="49" charset="0"/>
             </a:endParaRPr>
           </a:p>
           <a:p>
-            <a:pPr marL="3657600" indent="0">
+            <a:pPr marL="2743200" indent="0">
               <a:spcBef>
                 <a:spcPts val="0"/>
               </a:spcBef>
               <a:buNone/>
             </a:pPr>
             <a:r>
-              <a:rPr lang="en-US" sz="1800" dirty="0">
+              <a:rPr lang="en-US" sz="1600">
                 <a:latin typeface="Courier New" panose="02070309020205020404" pitchFamily="49" charset="0"/>
                 <a:cs typeface="Courier New" panose="02070309020205020404" pitchFamily="49" charset="0"/>
               </a:rPr>
@@ -10111,14 +9888,14 @@
             </a:r>
           </a:p>
           <a:p>
-            <a:pPr marL="3657600" indent="0">
+            <a:pPr marL="2743200" indent="0">
               <a:spcBef>
                 <a:spcPts val="0"/>
               </a:spcBef>
               <a:buNone/>
             </a:pPr>
             <a:r>
-              <a:rPr lang="en-US" sz="1800" dirty="0">
+              <a:rPr lang="en-US" sz="1600">
                 <a:latin typeface="Courier New" panose="02070309020205020404" pitchFamily="49" charset="0"/>
                 <a:cs typeface="Courier New" panose="02070309020205020404" pitchFamily="49" charset="0"/>
               </a:rPr>
@@ -10126,33 +9903,23 @@
             </a:r>
           </a:p>
           <a:p>
-            <a:pPr marL="3657600" indent="0">
+            <a:pPr marL="2743200" indent="0">
               <a:spcBef>
                 <a:spcPts val="0"/>
               </a:spcBef>
               <a:buNone/>
             </a:pPr>
             <a:r>
-              <a:rPr lang="en-US" sz="1800" dirty="0">
+              <a:rPr lang="en-US" sz="1600">
                 <a:latin typeface="Courier New" panose="02070309020205020404" pitchFamily="49" charset="0"/>
                 <a:cs typeface="Courier New" panose="02070309020205020404" pitchFamily="49" charset="0"/>
               </a:rPr>
-              <a:t>    </a:t>
-            </a:r>
-            <a:r>
-              <a:rPr lang="en-US" sz="1800" dirty="0" err="1">
-                <a:latin typeface="Courier New" panose="02070309020205020404" pitchFamily="49" charset="0"/>
-                <a:cs typeface="Courier New" panose="02070309020205020404" pitchFamily="49" charset="0"/>
-              </a:rPr>
-              <a:t>discount_percent</a:t>
-            </a:r>
-            <a:r>
-              <a:rPr lang="en-US" sz="1800" dirty="0">
-                <a:latin typeface="Courier New" panose="02070309020205020404" pitchFamily="49" charset="0"/>
-                <a:cs typeface="Courier New" panose="02070309020205020404" pitchFamily="49" charset="0"/>
-              </a:rPr>
-              <a:t> = 0</a:t>
-            </a:r>
+              <a:t>    discount_percent = 0</a:t>
+            </a:r>
+            <a:endParaRPr lang="en-US" sz="1600" dirty="0">
+              <a:latin typeface="Courier New" panose="02070309020205020404" pitchFamily="49" charset="0"/>
+              <a:cs typeface="Courier New" panose="02070309020205020404" pitchFamily="49" charset="0"/>
+            </a:endParaRPr>
           </a:p>
         </p:txBody>
       </p:sp>
@@ -10187,13 +9954,18 @@
         </p:nvSpPr>
         <p:spPr>
           <a:xfrm>
-            <a:off x="562708" y="717454"/>
-            <a:ext cx="3277773" cy="4401205"/>
+            <a:off x="568971" y="1120579"/>
+            <a:ext cx="2261911" cy="3785652"/>
           </a:xfrm>
           <a:prstGeom prst="rect">
             <a:avLst/>
           </a:prstGeom>
           <a:noFill/>
+          <a:ln>
+            <a:solidFill>
+              <a:schemeClr val="tx1"/>
+            </a:solidFill>
+          </a:ln>
         </p:spPr>
         <p:txBody>
           <a:bodyPr wrap="square" rtlCol="0">
@@ -10202,18 +9974,43 @@
           <a:lstStyle/>
           <a:p>
             <a:r>
-              <a:rPr lang="en-US" sz="2800" dirty="0"/>
-              <a:t>Note the duplicated check for customer type. This code is harder to maintain; if we needed to change to something other than “r”, what if we miss one of the “r” literals in the </a:t>
-            </a:r>
-            <a:r>
-              <a:rPr lang="en-US" sz="2800" dirty="0" err="1"/>
+              <a:rPr lang="en-US" sz="2000" dirty="0"/>
+              <a:t>Note the </a:t>
+            </a:r>
+            <a:r>
+              <a:rPr lang="en-US" sz="2000"/>
+              <a:t>duplicated checks </a:t>
+            </a:r>
+            <a:r>
+              <a:rPr lang="en-US" sz="2000" dirty="0"/>
+              <a:t>for customer type</a:t>
+            </a:r>
+            <a:r>
+              <a:rPr lang="en-US" sz="2000"/>
+              <a:t>. </a:t>
+            </a:r>
+          </a:p>
+          <a:p>
+            <a:endParaRPr lang="en-US" sz="2000"/>
+          </a:p>
+          <a:p>
+            <a:r>
+              <a:rPr lang="en-US" sz="2000"/>
+              <a:t>This </a:t>
+            </a:r>
+            <a:r>
+              <a:rPr lang="en-US" sz="2000" dirty="0"/>
+              <a:t>code is harder to maintain; if we needed to change to something other than “r”, what if we miss one of the “r” literals in the </a:t>
+            </a:r>
+            <a:r>
+              <a:rPr lang="en-US" sz="2000" dirty="0" err="1"/>
               <a:t>elif</a:t>
             </a:r>
             <a:r>
-              <a:rPr lang="en-US" sz="2800" dirty="0"/>
+              <a:rPr lang="en-US" sz="2000" dirty="0"/>
               <a:t> statements?</a:t>
             </a:r>
-            <a:endParaRPr lang="en-US" dirty="0"/>
+            <a:endParaRPr lang="en-US" sz="1400" dirty="0"/>
           </a:p>
         </p:txBody>
       </p:sp>
@@ -12115,8 +11912,19 @@
                 <a:latin typeface="Courier New" panose="02070309020205020404" pitchFamily="49" charset="0"/>
                 <a:cs typeface="Courier New" panose="02070309020205020404" pitchFamily="49" charset="0"/>
               </a:rPr>
-              <a:t> = input("Please enter some data:")</a:t>
-            </a:r>
+              <a:t> = input("Please enter some </a:t>
+            </a:r>
+            <a:r>
+              <a:rPr lang="en-US" sz="2000">
+                <a:latin typeface="Courier New" panose="02070309020205020404" pitchFamily="49" charset="0"/>
+                <a:cs typeface="Courier New" panose="02070309020205020404" pitchFamily="49" charset="0"/>
+              </a:rPr>
+              <a:t>data: ")</a:t>
+            </a:r>
+            <a:endParaRPr lang="en-US" sz="2000" dirty="0">
+              <a:latin typeface="Courier New" panose="02070309020205020404" pitchFamily="49" charset="0"/>
+              <a:cs typeface="Courier New" panose="02070309020205020404" pitchFamily="49" charset="0"/>
+            </a:endParaRPr>
           </a:p>
           <a:p>
             <a:r>
@@ -12403,7 +12211,21 @@
                 <a:latin typeface="Courier New" panose="02070309020205020404" pitchFamily="49" charset="0"/>
                 <a:cs typeface="Courier New" panose="02070309020205020404" pitchFamily="49" charset="0"/>
               </a:rPr>
-              <a:t>a number less than" + str(MAX) + </a:t>
+              <a:t>a number </a:t>
+            </a:r>
+            <a:r>
+              <a:rPr lang="en-US" sz="2000">
+                <a:latin typeface="Courier New" panose="02070309020205020404" pitchFamily="49" charset="0"/>
+                <a:cs typeface="Courier New" panose="02070309020205020404" pitchFamily="49" charset="0"/>
+              </a:rPr>
+              <a:t>less than " </a:t>
+            </a:r>
+            <a:r>
+              <a:rPr lang="en-US" sz="2000" dirty="0">
+                <a:latin typeface="Courier New" panose="02070309020205020404" pitchFamily="49" charset="0"/>
+                <a:cs typeface="Courier New" panose="02070309020205020404" pitchFamily="49" charset="0"/>
+              </a:rPr>
+              <a:t>+ str(MAX) + </a:t>
             </a:r>
             <a:r>
               <a:rPr lang="en-US" sz="2000">
@@ -12538,8 +12360,8 @@
         </p:nvSpPr>
         <p:spPr>
           <a:xfrm>
-            <a:off x="609600" y="224763"/>
-            <a:ext cx="10160000" cy="838438"/>
+            <a:off x="349135" y="224763"/>
+            <a:ext cx="10420465" cy="838438"/>
           </a:xfrm>
         </p:spPr>
         <p:txBody>
@@ -12600,13 +12422,15 @@
             <a:pPr marL="408305" lvl="1" indent="0">
               <a:buNone/>
             </a:pPr>
-            <a:r>
-              <a:rPr lang="en-US" sz="2800">
-                <a:latin typeface="Courier New" panose="02070309020205020404" pitchFamily="49" charset="0"/>
-                <a:cs typeface="Courier New" panose="02070309020205020404" pitchFamily="49" charset="0"/>
-              </a:rPr>
-              <a:t> </a:t>
-            </a:r>
+            <a:endParaRPr lang="en-US" sz="1600">
+              <a:latin typeface="Courier New" panose="02070309020205020404" pitchFamily="49" charset="0"/>
+              <a:cs typeface="Courier New" panose="02070309020205020404" pitchFamily="49" charset="0"/>
+            </a:endParaRPr>
+          </a:p>
+          <a:p>
+            <a:pPr marL="914400" lvl="1" indent="0">
+              <a:buNone/>
+            </a:pPr>
             <a:r>
               <a:rPr lang="en-US">
                 <a:latin typeface="Courier New" panose="02070309020205020404" pitchFamily="49" charset="0"/>
@@ -12616,7 +12440,7 @@
             </a:r>
           </a:p>
           <a:p>
-            <a:pPr marL="408305" lvl="1" indent="0">
+            <a:pPr marL="914400" lvl="1" indent="0">
               <a:buNone/>
             </a:pPr>
             <a:r>
@@ -12628,7 +12452,16 @@
             </a:r>
           </a:p>
           <a:p>
-            <a:pPr marL="408305" lvl="1" indent="0">
+            <a:pPr marL="914400" lvl="1" indent="0">
+              <a:buNone/>
+            </a:pPr>
+            <a:endParaRPr lang="en-US">
+              <a:latin typeface="Courier New" panose="02070309020205020404" pitchFamily="49" charset="0"/>
+              <a:cs typeface="Courier New" panose="02070309020205020404" pitchFamily="49" charset="0"/>
+            </a:endParaRPr>
+          </a:p>
+          <a:p>
+            <a:pPr marL="914400" lvl="1" indent="0">
               <a:buNone/>
             </a:pPr>
             <a:r>
@@ -12636,7 +12469,7 @@
                 <a:latin typeface="Courier New" panose="02070309020205020404" pitchFamily="49" charset="0"/>
                 <a:cs typeface="Courier New" panose="02070309020205020404" pitchFamily="49" charset="0"/>
               </a:rPr>
-              <a:t> print("\nThe loop has ended.")</a:t>
+              <a:t>print("\nThe loop has ended.")</a:t>
             </a:r>
           </a:p>
           <a:p>
@@ -14479,7 +14312,7 @@
                 <a:latin typeface="Courier New" panose="02070309020205020404" pitchFamily="49" charset="0"/>
                 <a:cs typeface="Courier New" panose="02070309020205020404" pitchFamily="49" charset="0"/>
               </a:rPr>
-              <a:t>while True:    # while loops will be covered in an upcoming module</a:t>
+              <a:t>while True: </a:t>
             </a:r>
           </a:p>
           <a:p>
@@ -14488,7 +14321,7 @@
                 <a:latin typeface="Courier New" panose="02070309020205020404" pitchFamily="49" charset="0"/>
                 <a:cs typeface="Courier New" panose="02070309020205020404" pitchFamily="49" charset="0"/>
               </a:rPr>
-              <a:t>      data = input("Enter a number to square, 'exit' when done: ")</a:t>
+              <a:t>    data = input("Enter a number to square, 'exit' when done: ")</a:t>
             </a:r>
           </a:p>
           <a:p>
@@ -14497,7 +14330,7 @@
                 <a:latin typeface="Courier New" panose="02070309020205020404" pitchFamily="49" charset="0"/>
                 <a:cs typeface="Courier New" panose="02070309020205020404" pitchFamily="49" charset="0"/>
               </a:rPr>
-              <a:t>      if data == "exit":</a:t>
+              <a:t>    if data == "exit":</a:t>
             </a:r>
           </a:p>
           <a:p>
@@ -14506,7 +14339,7 @@
                 <a:latin typeface="Courier New" panose="02070309020205020404" pitchFamily="49" charset="0"/>
                 <a:cs typeface="Courier New" panose="02070309020205020404" pitchFamily="49" charset="0"/>
               </a:rPr>
-              <a:t>            break     # while True</a:t>
+              <a:t>        break     # while True</a:t>
             </a:r>
           </a:p>
           <a:p>
@@ -14515,7 +14348,7 @@
                 <a:latin typeface="Courier New" panose="02070309020205020404" pitchFamily="49" charset="0"/>
                 <a:cs typeface="Courier New" panose="02070309020205020404" pitchFamily="49" charset="0"/>
               </a:rPr>
-              <a:t>      i = int(data)</a:t>
+              <a:t>    i = int(data)</a:t>
             </a:r>
           </a:p>
           <a:p>
@@ -14524,7 +14357,7 @@
                 <a:latin typeface="Courier New" panose="02070309020205020404" pitchFamily="49" charset="0"/>
                 <a:cs typeface="Courier New" panose="02070309020205020404" pitchFamily="49" charset="0"/>
               </a:rPr>
-              <a:t>      print(i, "squared is", i * i)</a:t>
+              <a:t>    print(i, "squared is", i * i)</a:t>
             </a:r>
           </a:p>
           <a:p>
@@ -15231,58 +15064,70 @@
           </a:xfrm>
         </p:spPr>
         <p:txBody>
-          <a:bodyPr/>
+          <a:bodyPr>
+            <a:normAutofit/>
+          </a:bodyPr>
           <a:lstStyle/>
           <a:p>
             <a:r>
-              <a:rPr lang="en-US" sz="2800"/>
+              <a:rPr lang="en-US" sz="2000"/>
               <a:t>While loops and for loops support </a:t>
             </a:r>
             <a:r>
-              <a:rPr lang="en-US" sz="2800" dirty="0"/>
+              <a:rPr lang="en-US" sz="2000" dirty="0"/>
               <a:t>an else statement associated </a:t>
             </a:r>
             <a:r>
-              <a:rPr lang="en-US" sz="2800"/>
+              <a:rPr lang="en-US" sz="2000"/>
               <a:t>with the loop</a:t>
             </a:r>
-            <a:endParaRPr lang="en-US" sz="2800" dirty="0"/>
+            <a:endParaRPr lang="en-US" sz="2000" dirty="0"/>
           </a:p>
           <a:p>
             <a:pPr lvl="1"/>
             <a:r>
-              <a:rPr lang="en-US" sz="2400"/>
+              <a:rPr lang="en-US" sz="1800"/>
               <a:t>for loop behavior: the </a:t>
             </a:r>
             <a:r>
-              <a:rPr lang="en-US" sz="2400" dirty="0"/>
+              <a:rPr lang="en-US" sz="1800" dirty="0"/>
               <a:t>else statement is executed </a:t>
             </a:r>
             <a:r>
-              <a:rPr lang="en-US" sz="2400" u="sng" dirty="0"/>
+              <a:rPr lang="en-US" sz="1800" u="sng" dirty="0"/>
               <a:t>when the loop has exhausted the </a:t>
             </a:r>
             <a:r>
-              <a:rPr lang="en-US" sz="2400" u="sng"/>
+              <a:rPr lang="en-US" sz="1800" u="sng"/>
               <a:t>iteration values</a:t>
             </a:r>
-            <a:endParaRPr lang="en-US" sz="2400" u="sng" dirty="0"/>
+            <a:endParaRPr lang="en-US" sz="1800" u="sng" dirty="0"/>
           </a:p>
           <a:p>
             <a:pPr lvl="1"/>
             <a:r>
-              <a:rPr lang="en-US" sz="2400"/>
+              <a:rPr lang="en-US" sz="1800"/>
               <a:t>while loop behavior: </a:t>
             </a:r>
             <a:r>
-              <a:rPr lang="en-US" sz="2400" dirty="0"/>
+              <a:rPr lang="en-US" sz="1800" dirty="0"/>
               <a:t>the else statement is executed </a:t>
             </a:r>
             <a:r>
-              <a:rPr lang="en-US" sz="2400" u="sng" dirty="0"/>
-              <a:t>when the while condition becomes false</a:t>
-            </a:r>
-            <a:endParaRPr lang="en-US" sz="2400" dirty="0"/>
+              <a:rPr lang="en-US" sz="1800" u="sng" dirty="0"/>
+              <a:t>when the while condition </a:t>
+            </a:r>
+            <a:r>
+              <a:rPr lang="en-US" sz="1800" u="sng"/>
+              <a:t>becomes false</a:t>
+            </a:r>
+          </a:p>
+          <a:p>
+            <a:r>
+              <a:rPr lang="en-US" sz="2000"/>
+              <a:t>An else verifies that the loop has completed its iteration, i.e. the loop did not end prematurely</a:t>
+            </a:r>
+            <a:endParaRPr lang="en-US" sz="2000" dirty="0"/>
           </a:p>
         </p:txBody>
       </p:sp>
@@ -15329,12 +15174,17 @@
         </p:nvSpPr>
         <p:spPr>
           <a:xfrm>
-            <a:off x="919603" y="3928818"/>
-            <a:ext cx="6659708" cy="1754326"/>
+            <a:off x="869498" y="2795294"/>
+            <a:ext cx="6157602" cy="1569660"/>
           </a:xfrm>
           <a:prstGeom prst="rect">
             <a:avLst/>
           </a:prstGeom>
+          <a:ln>
+            <a:solidFill>
+              <a:schemeClr val="tx1"/>
+            </a:solidFill>
+          </a:ln>
         </p:spPr>
         <p:txBody>
           <a:bodyPr wrap="square">
@@ -15343,66 +15193,77 @@
           <a:lstStyle/>
           <a:p>
             <a:r>
-              <a:rPr lang="en-US" dirty="0">
+              <a:rPr lang="en-US" sz="1600" dirty="0">
                 <a:latin typeface="Courier New" panose="02070309020205020404" pitchFamily="49" charset="0"/>
                 <a:cs typeface="Courier New" panose="02070309020205020404" pitchFamily="49" charset="0"/>
               </a:rPr>
-              <a:t>counter = 1</a:t>
-            </a:r>
-          </a:p>
-          <a:p>
-            <a:r>
-              <a:rPr lang="en-US" dirty="0">
+              <a:t>counter </a:t>
+            </a:r>
+            <a:r>
+              <a:rPr lang="en-US" sz="1600">
                 <a:latin typeface="Courier New" panose="02070309020205020404" pitchFamily="49" charset="0"/>
                 <a:cs typeface="Courier New" panose="02070309020205020404" pitchFamily="49" charset="0"/>
               </a:rPr>
-              <a:t>while counter &lt;= 5:</a:t>
-            </a:r>
-          </a:p>
-          <a:p>
-            <a:r>
-              <a:rPr lang="en-US" dirty="0">
+              <a:t>= 1</a:t>
+            </a:r>
+            <a:endParaRPr lang="en-US" sz="1600" dirty="0">
+              <a:latin typeface="Courier New" panose="02070309020205020404" pitchFamily="49" charset="0"/>
+              <a:cs typeface="Courier New" panose="02070309020205020404" pitchFamily="49" charset="0"/>
+            </a:endParaRPr>
+          </a:p>
+          <a:p>
+            <a:r>
+              <a:rPr lang="en-US" sz="1600" dirty="0">
                 <a:latin typeface="Courier New" panose="02070309020205020404" pitchFamily="49" charset="0"/>
                 <a:cs typeface="Courier New" panose="02070309020205020404" pitchFamily="49" charset="0"/>
               </a:rPr>
-              <a:t>   print("counter is", counter)</a:t>
-            </a:r>
-          </a:p>
-          <a:p>
-            <a:r>
-              <a:rPr lang="en-US" dirty="0">
+              <a:t>while counter &lt;= 5:</a:t>
+            </a:r>
+          </a:p>
+          <a:p>
+            <a:r>
+              <a:rPr lang="en-US" sz="1600" dirty="0">
                 <a:latin typeface="Courier New" panose="02070309020205020404" pitchFamily="49" charset="0"/>
                 <a:cs typeface="Courier New" panose="02070309020205020404" pitchFamily="49" charset="0"/>
               </a:rPr>
-              <a:t>   counter = counter + 1</a:t>
-            </a:r>
-          </a:p>
-          <a:p>
-            <a:r>
-              <a:rPr lang="en-US" dirty="0">
+              <a:t>   print("counter is", counter)</a:t>
+            </a:r>
+          </a:p>
+          <a:p>
+            <a:r>
+              <a:rPr lang="en-US" sz="1600" dirty="0">
                 <a:latin typeface="Courier New" panose="02070309020205020404" pitchFamily="49" charset="0"/>
                 <a:cs typeface="Courier New" panose="02070309020205020404" pitchFamily="49" charset="0"/>
               </a:rPr>
-              <a:t>else:</a:t>
-            </a:r>
-          </a:p>
-          <a:p>
-            <a:r>
-              <a:rPr lang="en-US" dirty="0">
+              <a:t>   counter = counter + 1</a:t>
+            </a:r>
+          </a:p>
+          <a:p>
+            <a:r>
+              <a:rPr lang="en-US" sz="1600" dirty="0">
                 <a:latin typeface="Courier New" panose="02070309020205020404" pitchFamily="49" charset="0"/>
                 <a:cs typeface="Courier New" panose="02070309020205020404" pitchFamily="49" charset="0"/>
               </a:rPr>
-              <a:t>   print("counter </a:t>
-            </a:r>
-            <a:r>
-              <a:rPr lang="en-US">
+              <a:t>else:</a:t>
+            </a:r>
+          </a:p>
+          <a:p>
+            <a:r>
+              <a:rPr lang="en-US" sz="1600" dirty="0">
                 <a:latin typeface="Courier New" panose="02070309020205020404" pitchFamily="49" charset="0"/>
                 <a:cs typeface="Courier New" panose="02070309020205020404" pitchFamily="49" charset="0"/>
               </a:rPr>
+              <a:t>   print("counter </a:t>
+            </a:r>
+            <a:r>
+              <a:rPr lang="en-US" sz="1600">
+                <a:latin typeface="Courier New" panose="02070309020205020404" pitchFamily="49" charset="0"/>
+                <a:cs typeface="Courier New" panose="02070309020205020404" pitchFamily="49" charset="0"/>
+              </a:rPr>
               <a:t>reached maximum value</a:t>
             </a:r>
             <a:r>
-              <a:rPr lang="en-US" dirty="0">
+              <a:rPr lang="en-US" sz="1600" dirty="0">
                 <a:latin typeface="Courier New" panose="02070309020205020404" pitchFamily="49" charset="0"/>
                 <a:cs typeface="Courier New" panose="02070309020205020404" pitchFamily="49" charset="0"/>
               </a:rPr>
@@ -15425,7 +15286,7 @@
         </p:nvSpPr>
         <p:spPr>
           <a:xfrm>
-            <a:off x="7369846" y="3953155"/>
+            <a:off x="7150641" y="2795294"/>
             <a:ext cx="3307080" cy="1384995"/>
           </a:xfrm>
           <a:prstGeom prst="rect">
@@ -15483,6 +15344,199 @@
               <a:rPr lang="en-US" sz="1400" b="1" dirty="0"/>
               <a:t>counter reached maximum value</a:t>
             </a:r>
+          </a:p>
+        </p:txBody>
+      </p:sp>
+      <p:sp>
+        <p:nvSpPr>
+          <p:cNvPr id="7" name="Rectangle 6">
+            <a:extLst>
+              <a:ext uri="{FF2B5EF4-FFF2-40B4-BE49-F238E27FC236}">
+                <a16:creationId xmlns:a16="http://schemas.microsoft.com/office/drawing/2014/main" id="{C768D043-5DF4-801B-089E-35369619416C}"/>
+              </a:ext>
+            </a:extLst>
+          </p:cNvPr>
+          <p:cNvSpPr/>
+          <p:nvPr/>
+        </p:nvSpPr>
+        <p:spPr>
+          <a:xfrm>
+            <a:off x="869498" y="4490509"/>
+            <a:ext cx="6157602" cy="2062103"/>
+          </a:xfrm>
+          <a:prstGeom prst="rect">
+            <a:avLst/>
+          </a:prstGeom>
+          <a:ln>
+            <a:solidFill>
+              <a:schemeClr val="tx1"/>
+            </a:solidFill>
+          </a:ln>
+        </p:spPr>
+        <p:txBody>
+          <a:bodyPr wrap="square">
+            <a:spAutoFit/>
+          </a:bodyPr>
+          <a:lstStyle/>
+          <a:p>
+            <a:r>
+              <a:rPr lang="en-US" sz="1600" dirty="0">
+                <a:latin typeface="Courier New" panose="02070309020205020404" pitchFamily="49" charset="0"/>
+                <a:cs typeface="Courier New" panose="02070309020205020404" pitchFamily="49" charset="0"/>
+              </a:rPr>
+              <a:t>counter </a:t>
+            </a:r>
+            <a:r>
+              <a:rPr lang="en-US" sz="1600">
+                <a:latin typeface="Courier New" panose="02070309020205020404" pitchFamily="49" charset="0"/>
+                <a:cs typeface="Courier New" panose="02070309020205020404" pitchFamily="49" charset="0"/>
+              </a:rPr>
+              <a:t>= 1</a:t>
+            </a:r>
+            <a:endParaRPr lang="en-US" sz="1600" dirty="0">
+              <a:latin typeface="Courier New" panose="02070309020205020404" pitchFamily="49" charset="0"/>
+              <a:cs typeface="Courier New" panose="02070309020205020404" pitchFamily="49" charset="0"/>
+            </a:endParaRPr>
+          </a:p>
+          <a:p>
+            <a:r>
+              <a:rPr lang="en-US" sz="1600" dirty="0">
+                <a:latin typeface="Courier New" panose="02070309020205020404" pitchFamily="49" charset="0"/>
+                <a:cs typeface="Courier New" panose="02070309020205020404" pitchFamily="49" charset="0"/>
+              </a:rPr>
+              <a:t>while counter &lt;= 5:</a:t>
+            </a:r>
+          </a:p>
+          <a:p>
+            <a:r>
+              <a:rPr lang="en-US" sz="1600" dirty="0">
+                <a:latin typeface="Courier New" panose="02070309020205020404" pitchFamily="49" charset="0"/>
+                <a:cs typeface="Courier New" panose="02070309020205020404" pitchFamily="49" charset="0"/>
+              </a:rPr>
+              <a:t>   print("counter is", counter)</a:t>
+            </a:r>
+          </a:p>
+          <a:p>
+            <a:r>
+              <a:rPr lang="en-US" sz="1600" dirty="0">
+                <a:latin typeface="Courier New" panose="02070309020205020404" pitchFamily="49" charset="0"/>
+                <a:cs typeface="Courier New" panose="02070309020205020404" pitchFamily="49" charset="0"/>
+              </a:rPr>
+              <a:t>   counter = counter </a:t>
+            </a:r>
+            <a:r>
+              <a:rPr lang="en-US" sz="1600">
+                <a:latin typeface="Courier New" panose="02070309020205020404" pitchFamily="49" charset="0"/>
+                <a:cs typeface="Courier New" panose="02070309020205020404" pitchFamily="49" charset="0"/>
+              </a:rPr>
+              <a:t>+ 1</a:t>
+            </a:r>
+          </a:p>
+          <a:p>
+            <a:r>
+              <a:rPr lang="en-US" sz="1600">
+                <a:latin typeface="Courier New" panose="02070309020205020404" pitchFamily="49" charset="0"/>
+                <a:cs typeface="Courier New" panose="02070309020205020404" pitchFamily="49" charset="0"/>
+              </a:rPr>
+              <a:t>   if counter == 3:</a:t>
+            </a:r>
+          </a:p>
+          <a:p>
+            <a:r>
+              <a:rPr lang="en-US" sz="1600">
+                <a:latin typeface="Courier New" panose="02070309020205020404" pitchFamily="49" charset="0"/>
+                <a:cs typeface="Courier New" panose="02070309020205020404" pitchFamily="49" charset="0"/>
+              </a:rPr>
+              <a:t>         break</a:t>
+            </a:r>
+            <a:endParaRPr lang="en-US" sz="1600" dirty="0">
+              <a:latin typeface="Courier New" panose="02070309020205020404" pitchFamily="49" charset="0"/>
+              <a:cs typeface="Courier New" panose="02070309020205020404" pitchFamily="49" charset="0"/>
+            </a:endParaRPr>
+          </a:p>
+          <a:p>
+            <a:r>
+              <a:rPr lang="en-US" sz="1600" dirty="0">
+                <a:latin typeface="Courier New" panose="02070309020205020404" pitchFamily="49" charset="0"/>
+                <a:cs typeface="Courier New" panose="02070309020205020404" pitchFamily="49" charset="0"/>
+              </a:rPr>
+              <a:t>else:</a:t>
+            </a:r>
+          </a:p>
+          <a:p>
+            <a:r>
+              <a:rPr lang="en-US" sz="1600" dirty="0">
+                <a:latin typeface="Courier New" panose="02070309020205020404" pitchFamily="49" charset="0"/>
+                <a:cs typeface="Courier New" panose="02070309020205020404" pitchFamily="49" charset="0"/>
+              </a:rPr>
+              <a:t>   print("counter </a:t>
+            </a:r>
+            <a:r>
+              <a:rPr lang="en-US" sz="1600">
+                <a:latin typeface="Courier New" panose="02070309020205020404" pitchFamily="49" charset="0"/>
+                <a:cs typeface="Courier New" panose="02070309020205020404" pitchFamily="49" charset="0"/>
+              </a:rPr>
+              <a:t>reached maximum value</a:t>
+            </a:r>
+            <a:r>
+              <a:rPr lang="en-US" sz="1600" dirty="0">
+                <a:latin typeface="Courier New" panose="02070309020205020404" pitchFamily="49" charset="0"/>
+                <a:cs typeface="Courier New" panose="02070309020205020404" pitchFamily="49" charset="0"/>
+              </a:rPr>
+              <a:t>")</a:t>
+            </a:r>
+          </a:p>
+        </p:txBody>
+      </p:sp>
+      <p:sp>
+        <p:nvSpPr>
+          <p:cNvPr id="8" name="Rectangle 7">
+            <a:extLst>
+              <a:ext uri="{FF2B5EF4-FFF2-40B4-BE49-F238E27FC236}">
+                <a16:creationId xmlns:a16="http://schemas.microsoft.com/office/drawing/2014/main" id="{A3728DA3-9089-4266-9759-573BE2E14CDE}"/>
+              </a:ext>
+            </a:extLst>
+          </p:cNvPr>
+          <p:cNvSpPr/>
+          <p:nvPr/>
+        </p:nvSpPr>
+        <p:spPr>
+          <a:xfrm>
+            <a:off x="7150641" y="5030052"/>
+            <a:ext cx="3307080" cy="523220"/>
+          </a:xfrm>
+          <a:prstGeom prst="rect">
+            <a:avLst/>
+          </a:prstGeom>
+          <a:solidFill>
+            <a:schemeClr val="accent3">
+              <a:lumMod val="40000"/>
+              <a:lumOff val="60000"/>
+            </a:schemeClr>
+          </a:solidFill>
+          <a:ln>
+            <a:solidFill>
+              <a:schemeClr val="tx1"/>
+            </a:solidFill>
+          </a:ln>
+        </p:spPr>
+        <p:txBody>
+          <a:bodyPr wrap="square">
+            <a:spAutoFit/>
+          </a:bodyPr>
+          <a:lstStyle/>
+          <a:p>
+            <a:r>
+              <a:rPr lang="en-US" sz="1400" b="1"/>
+              <a:t>counter is 1</a:t>
+            </a:r>
+          </a:p>
+          <a:p>
+            <a:r>
+              <a:rPr lang="en-US" sz="1400" b="1"/>
+              <a:t>counter is 2</a:t>
+            </a:r>
+            <a:endParaRPr lang="en-US" sz="1400" b="1" dirty="0"/>
           </a:p>
         </p:txBody>
       </p:sp>
@@ -37032,12 +37086,12 @@
           <a:graphicData uri="http://schemas.openxmlformats.org/presentationml/2006/ole">
             <mc:AlternateContent xmlns:mc="http://schemas.openxmlformats.org/markup-compatibility/2006">
               <mc:Choice xmlns:v="urn:schemas-microsoft-com:vml" Requires="v">
-                <p:oleObj spid="_x0000_s1028" name="Document" r:id="rId3" imgW="7377498" imgH="2632802" progId="Word.Document.12">
+                <p:oleObj name="Document" r:id="rId2" imgW="7377498" imgH="2632802" progId="Word.Document.12">
                   <p:embed/>
                 </p:oleObj>
               </mc:Choice>
               <mc:Fallback>
-                <p:oleObj name="Document" r:id="rId3" imgW="7377498" imgH="2632802" progId="Word.Document.12">
+                <p:oleObj name="Document" r:id="rId2" imgW="7377498" imgH="2632802" progId="Word.Document.12">
                   <p:embed/>
                   <p:pic>
                     <p:nvPicPr>
@@ -37046,7 +37100,7 @@
                       <p:nvPr/>
                     </p:nvPicPr>
                     <p:blipFill>
-                      <a:blip r:embed="rId4"/>
+                      <a:blip r:embed="rId3"/>
                       <a:stretch>
                         <a:fillRect/>
                       </a:stretch>
@@ -37234,12 +37288,12 @@
           <a:graphicData uri="http://schemas.openxmlformats.org/presentationml/2006/ole">
             <mc:AlternateContent xmlns:mc="http://schemas.openxmlformats.org/markup-compatibility/2006">
               <mc:Choice xmlns:v="urn:schemas-microsoft-com:vml" Requires="v">
-                <p:oleObj spid="_x0000_s2053" name="Document" r:id="rId3" imgW="7321727" imgH="3794767" progId="Word.Document.12">
+                <p:oleObj name="Document" r:id="rId2" imgW="7321727" imgH="3794767" progId="Word.Document.12">
                   <p:embed/>
                 </p:oleObj>
               </mc:Choice>
               <mc:Fallback>
-                <p:oleObj name="Document" r:id="rId3" imgW="7321727" imgH="3794767" progId="Word.Document.12">
+                <p:oleObj name="Document" r:id="rId2" imgW="7321727" imgH="3794767" progId="Word.Document.12">
                   <p:embed/>
                   <p:pic>
                     <p:nvPicPr>
@@ -37248,7 +37302,7 @@
                       <p:nvPr/>
                     </p:nvPicPr>
                     <p:blipFill>
-                      <a:blip r:embed="rId4"/>
+                      <a:blip r:embed="rId3"/>
                       <a:stretch>
                         <a:fillRect/>
                       </a:stretch>
@@ -37430,12 +37484,12 @@
           <a:graphicData uri="http://schemas.openxmlformats.org/presentationml/2006/ole">
             <mc:AlternateContent xmlns:mc="http://schemas.openxmlformats.org/markup-compatibility/2006">
               <mc:Choice xmlns:v="urn:schemas-microsoft-com:vml" Requires="v">
-                <p:oleObj spid="_x0000_s3076" name="Document" r:id="rId3" imgW="7315170" imgH="3216113" progId="Word.Document.12">
+                <p:oleObj name="Document" r:id="rId2" imgW="7315170" imgH="3216113" progId="Word.Document.12">
                   <p:embed/>
                 </p:oleObj>
               </mc:Choice>
               <mc:Fallback>
-                <p:oleObj name="Document" r:id="rId3" imgW="7315170" imgH="3216113" progId="Word.Document.12">
+                <p:oleObj name="Document" r:id="rId2" imgW="7315170" imgH="3216113" progId="Word.Document.12">
                   <p:embed/>
                   <p:pic>
                     <p:nvPicPr>
@@ -37444,7 +37498,7 @@
                       <p:nvPr/>
                     </p:nvPicPr>
                     <p:blipFill>
-                      <a:blip r:embed="rId4"/>
+                      <a:blip r:embed="rId3"/>
                       <a:stretch>
                         <a:fillRect/>
                       </a:stretch>
@@ -37834,12 +37888,12 @@
           <a:graphicData uri="http://schemas.openxmlformats.org/presentationml/2006/ole">
             <mc:AlternateContent xmlns:mc="http://schemas.openxmlformats.org/markup-compatibility/2006">
               <mc:Choice xmlns:v="urn:schemas-microsoft-com:vml" Requires="v">
-                <p:oleObj spid="_x0000_s4100" name="Document" r:id="rId3" imgW="7315170" imgH="3206050" progId="Word.Document.12">
+                <p:oleObj name="Document" r:id="rId2" imgW="7315170" imgH="3206050" progId="Word.Document.12">
                   <p:embed/>
                 </p:oleObj>
               </mc:Choice>
               <mc:Fallback>
-                <p:oleObj name="Document" r:id="rId3" imgW="7315170" imgH="3206050" progId="Word.Document.12">
+                <p:oleObj name="Document" r:id="rId2" imgW="7315170" imgH="3206050" progId="Word.Document.12">
                   <p:embed/>
                   <p:pic>
                     <p:nvPicPr>
@@ -37848,7 +37902,7 @@
                       <p:nvPr/>
                     </p:nvPicPr>
                     <p:blipFill>
-                      <a:blip r:embed="rId4"/>
+                      <a:blip r:embed="rId3"/>
                       <a:stretch>
                         <a:fillRect/>
                       </a:stretch>
